--- a/Documents/SmartBin/SmartBin_Poster_Mermertas_Hamberger_Herzog.pptx
+++ b/Documents/SmartBin/SmartBin_Poster_Mermertas_Hamberger_Herzog.pptx
@@ -3000,7 +3000,7 @@
         </p:blipFill>
         <p:spPr>
           <a:xfrm rot="5400000">
-            <a:off x="14400021" y="4151346"/>
+            <a:off x="14196278" y="6642846"/>
             <a:ext cx="8328255" cy="4684644"/>
           </a:xfrm>
           <a:prstGeom prst="rect">
@@ -3374,7 +3374,7 @@
         <p:spPr>
           <a:xfrm>
             <a:off x="9396051" y="4821040"/>
-            <a:ext cx="11306677" cy="10987623"/>
+            <a:ext cx="11306677" cy="12280285"/>
           </a:xfrm>
           <a:prstGeom prst="rect">
             <a:avLst/>
@@ -3534,13 +3534,31 @@
             </a:pPr>
             <a:r>
               <a:rPr lang="de-DE" sz="2800" dirty="0"/>
-              <a:t>Datenerzeugung: nur bei Event (z.B. Mülleimer geöffnet) oder regelmäßiges Intervall</a:t>
+              <a:t>Datenerzeugung: nur bei Event </a:t>
             </a:r>
           </a:p>
           <a:p>
             <a:r>
               <a:rPr lang="de-DE" sz="2800" dirty="0"/>
-              <a:t>-  Datenverarbeitung: Stream Analytics, Azure </a:t>
+              <a:t>    (z.B. Mülleimer geöffnet) </a:t>
+            </a:r>
+          </a:p>
+          <a:p>
+            <a:r>
+              <a:rPr lang="de-DE" sz="2800" dirty="0"/>
+              <a:t>    oder regelmäßiges Intervall</a:t>
+            </a:r>
+          </a:p>
+          <a:p>
+            <a:r>
+              <a:rPr lang="de-DE" sz="2800" dirty="0"/>
+              <a:t>-  Datenverarbeitung: Stream Analytics, </a:t>
+            </a:r>
+          </a:p>
+          <a:p>
+            <a:r>
+              <a:rPr lang="de-DE" sz="2800" dirty="0"/>
+              <a:t>    Azure </a:t>
             </a:r>
             <a:r>
               <a:rPr lang="de-DE" sz="2800" dirty="0" err="1"/>
@@ -3570,10 +3588,6 @@
             </a:r>
           </a:p>
           <a:p>
-            <a:pPr marL="285750" indent="-285750">
-              <a:buFontTx/>
-              <a:buChar char="-"/>
-            </a:pPr>
             <a:endParaRPr lang="de-DE" sz="2800" dirty="0"/>
           </a:p>
           <a:p>
